--- a/docs/Prezentare_Suciu_Septimiu_Viorel_Florin.pptx
+++ b/docs/Prezentare_Suciu_Septimiu_Viorel_Florin.pptx
@@ -5,24 +5,22 @@
     <p:sldMasterId id="2147483648" r:id="rId1"/>
   </p:sldMasterIdLst>
   <p:sldIdLst>
-    <p:sldId id="256" r:id="rId7"/>
-    <p:sldId id="257" r:id="rId8"/>
-    <p:sldId id="258" r:id="rId9"/>
-    <p:sldId id="259" r:id="rId10"/>
-    <p:sldId id="260" r:id="rId11"/>
-    <p:sldId id="261" r:id="rId12"/>
-    <p:sldId id="262" r:id="rId13"/>
-    <p:sldId id="263" r:id="rId14"/>
-    <p:sldId id="264" r:id="rId15"/>
-    <p:sldId id="265" r:id="rId16"/>
-    <p:sldId id="266" r:id="rId17"/>
-    <p:sldId id="267" r:id="rId18"/>
-    <p:sldId id="268" r:id="rId19"/>
-    <p:sldId id="269" r:id="rId20"/>
-    <p:sldId id="270" r:id="rId21"/>
-    <p:sldId id="271" r:id="rId22"/>
+    <p:sldId id="256" r:id="rId2"/>
+    <p:sldId id="257" r:id="rId3"/>
+    <p:sldId id="258" r:id="rId4"/>
+    <p:sldId id="259" r:id="rId5"/>
+    <p:sldId id="260" r:id="rId6"/>
+    <p:sldId id="261" r:id="rId7"/>
+    <p:sldId id="262" r:id="rId8"/>
+    <p:sldId id="263" r:id="rId9"/>
+    <p:sldId id="264" r:id="rId10"/>
+    <p:sldId id="265" r:id="rId11"/>
+    <p:sldId id="266" r:id="rId12"/>
+    <p:sldId id="267" r:id="rId13"/>
+    <p:sldId id="268" r:id="rId14"/>
+    <p:sldId id="271" r:id="rId15"/>
   </p:sldIdLst>
-  <p:sldSz cx="12188952" cy="6858000" type="screen4x3"/>
+  <p:sldSz cx="12188825" cy="6858000"/>
   <p:notesSz cx="6858000" cy="9144000"/>
   <p:defaultTextStyle>
     <a:defPPr>
@@ -119,6 +117,22 @@
       </a:defRPr>
     </a:lvl9pPr>
   </p:defaultTextStyle>
+  <p:extLst>
+    <p:ext uri="{EFAFB233-063F-42B5-8137-9DF3F51BA10A}">
+      <p15:sldGuideLst xmlns:p15="http://schemas.microsoft.com/office/powerpoint/2012/main">
+        <p15:guide id="1" orient="horz" pos="2160">
+          <p15:clr>
+            <a:srgbClr val="A4A3A4"/>
+          </p15:clr>
+        </p15:guide>
+        <p15:guide id="2" pos="2880">
+          <p15:clr>
+            <a:srgbClr val="A4A3A4"/>
+          </p15:clr>
+        </p15:guide>
+      </p15:sldGuideLst>
+    </p:ext>
+  </p:extLst>
 </p:presentation>
 </file>
 
@@ -303,7 +317,7 @@
           <a:p>
             <a:fld id="{5BCAD085-E8A6-8845-BD4E-CB4CCA059FC4}" type="datetimeFigureOut">
               <a:rPr lang="en-US" smtClean="0"/>
-              <a:t>1/27/13</a:t>
+              <a:t>10/20/2025</a:t>
             </a:fld>
             <a:endParaRPr lang="en-US"/>
           </a:p>
@@ -473,7 +487,7 @@
           <a:p>
             <a:fld id="{5BCAD085-E8A6-8845-BD4E-CB4CCA059FC4}" type="datetimeFigureOut">
               <a:rPr lang="en-US" smtClean="0"/>
-              <a:t>1/27/13</a:t>
+              <a:t>10/20/2025</a:t>
             </a:fld>
             <a:endParaRPr lang="en-US"/>
           </a:p>
@@ -653,7 +667,7 @@
           <a:p>
             <a:fld id="{5BCAD085-E8A6-8845-BD4E-CB4CCA059FC4}" type="datetimeFigureOut">
               <a:rPr lang="en-US" smtClean="0"/>
-              <a:t>1/27/13</a:t>
+              <a:t>10/20/2025</a:t>
             </a:fld>
             <a:endParaRPr lang="en-US"/>
           </a:p>
@@ -823,7 +837,7 @@
           <a:p>
             <a:fld id="{5BCAD085-E8A6-8845-BD4E-CB4CCA059FC4}" type="datetimeFigureOut">
               <a:rPr lang="en-US" smtClean="0"/>
-              <a:t>1/27/13</a:t>
+              <a:t>10/20/2025</a:t>
             </a:fld>
             <a:endParaRPr lang="en-US"/>
           </a:p>
@@ -1069,7 +1083,7 @@
           <a:p>
             <a:fld id="{5BCAD085-E8A6-8845-BD4E-CB4CCA059FC4}" type="datetimeFigureOut">
               <a:rPr lang="en-US" smtClean="0"/>
-              <a:t>1/27/13</a:t>
+              <a:t>10/20/2025</a:t>
             </a:fld>
             <a:endParaRPr lang="en-US"/>
           </a:p>
@@ -1357,7 +1371,7 @@
           <a:p>
             <a:fld id="{5BCAD085-E8A6-8845-BD4E-CB4CCA059FC4}" type="datetimeFigureOut">
               <a:rPr lang="en-US" smtClean="0"/>
-              <a:t>1/27/13</a:t>
+              <a:t>10/20/2025</a:t>
             </a:fld>
             <a:endParaRPr lang="en-US"/>
           </a:p>
@@ -1779,7 +1793,7 @@
           <a:p>
             <a:fld id="{5BCAD085-E8A6-8845-BD4E-CB4CCA059FC4}" type="datetimeFigureOut">
               <a:rPr lang="en-US" smtClean="0"/>
-              <a:t>1/27/13</a:t>
+              <a:t>10/20/2025</a:t>
             </a:fld>
             <a:endParaRPr lang="en-US"/>
           </a:p>
@@ -1897,7 +1911,7 @@
           <a:p>
             <a:fld id="{5BCAD085-E8A6-8845-BD4E-CB4CCA059FC4}" type="datetimeFigureOut">
               <a:rPr lang="en-US" smtClean="0"/>
-              <a:t>1/27/13</a:t>
+              <a:t>10/20/2025</a:t>
             </a:fld>
             <a:endParaRPr lang="en-US"/>
           </a:p>
@@ -1992,7 +2006,7 @@
           <a:p>
             <a:fld id="{5BCAD085-E8A6-8845-BD4E-CB4CCA059FC4}" type="datetimeFigureOut">
               <a:rPr lang="en-US" smtClean="0"/>
-              <a:t>1/27/13</a:t>
+              <a:t>10/20/2025</a:t>
             </a:fld>
             <a:endParaRPr lang="en-US"/>
           </a:p>
@@ -2269,7 +2283,7 @@
           <a:p>
             <a:fld id="{5BCAD085-E8A6-8845-BD4E-CB4CCA059FC4}" type="datetimeFigureOut">
               <a:rPr lang="en-US" smtClean="0"/>
-              <a:t>1/27/13</a:t>
+              <a:t>10/20/2025</a:t>
             </a:fld>
             <a:endParaRPr lang="en-US"/>
           </a:p>
@@ -2522,7 +2536,7 @@
           <a:p>
             <a:fld id="{5BCAD085-E8A6-8845-BD4E-CB4CCA059FC4}" type="datetimeFigureOut">
               <a:rPr lang="en-US" smtClean="0"/>
-              <a:t>1/27/13</a:t>
+              <a:t>10/20/2025</a:t>
             </a:fld>
             <a:endParaRPr lang="en-US"/>
           </a:p>
@@ -2735,7 +2749,7 @@
           <a:p>
             <a:fld id="{5BCAD085-E8A6-8845-BD4E-CB4CCA059FC4}" type="datetimeFigureOut">
               <a:rPr lang="en-US" smtClean="0"/>
-              <a:t>1/27/13</a:t>
+              <a:t>10/20/2025</a:t>
             </a:fld>
             <a:endParaRPr lang="en-US"/>
           </a:p>
@@ -3094,7 +3108,7 @@
 </file>
 
 <file path=ppt/slides/slide1.xml><?xml version="1.0" encoding="utf-8"?>
-<p:sld xmlns:a="http://schemas.openxmlformats.org/drawingml/2006/main" xmlns:p="http://schemas.openxmlformats.org/presentationml/2006/main" xmlns:r="http://schemas.openxmlformats.org/officeDocument/2006/relationships">
+<p:sld xmlns:a="http://schemas.openxmlformats.org/drawingml/2006/main" xmlns:r="http://schemas.openxmlformats.org/officeDocument/2006/relationships" xmlns:p="http://schemas.openxmlformats.org/presentationml/2006/main">
   <p:cSld>
     <p:spTree>
       <p:nvGrpSpPr>
@@ -3102,7 +3116,14 @@
         <p:cNvGrpSpPr/>
         <p:nvPr/>
       </p:nvGrpSpPr>
-      <p:grpSpPr/>
+      <p:grpSpPr>
+        <a:xfrm>
+          <a:off x="0" y="0"/>
+          <a:ext cx="0" cy="0"/>
+          <a:chOff x="0" y="0"/>
+          <a:chExt cx="0" cy="0"/>
+        </a:xfrm>
+      </p:grpSpPr>
       <p:pic>
         <p:nvPicPr>
           <p:cNvPr id="2" name="Picture 1" descr="image.png"/>
@@ -3136,7 +3157,7 @@
 </file>
 
 <file path=ppt/slides/slide10.xml><?xml version="1.0" encoding="utf-8"?>
-<p:sld xmlns:a="http://schemas.openxmlformats.org/drawingml/2006/main" xmlns:p="http://schemas.openxmlformats.org/presentationml/2006/main" xmlns:r="http://schemas.openxmlformats.org/officeDocument/2006/relationships">
+<p:sld xmlns:a="http://schemas.openxmlformats.org/drawingml/2006/main" xmlns:r="http://schemas.openxmlformats.org/officeDocument/2006/relationships" xmlns:p="http://schemas.openxmlformats.org/presentationml/2006/main">
   <p:cSld>
     <p:spTree>
       <p:nvGrpSpPr>
@@ -3144,7 +3165,14 @@
         <p:cNvGrpSpPr/>
         <p:nvPr/>
       </p:nvGrpSpPr>
-      <p:grpSpPr/>
+      <p:grpSpPr>
+        <a:xfrm>
+          <a:off x="0" y="0"/>
+          <a:ext cx="0" cy="0"/>
+          <a:chOff x="0" y="0"/>
+          <a:chExt cx="0" cy="0"/>
+        </a:xfrm>
+      </p:grpSpPr>
       <p:pic>
         <p:nvPicPr>
           <p:cNvPr id="2" name="Picture 1" descr="image.png"/>
@@ -3178,7 +3206,7 @@
 </file>
 
 <file path=ppt/slides/slide11.xml><?xml version="1.0" encoding="utf-8"?>
-<p:sld xmlns:a="http://schemas.openxmlformats.org/drawingml/2006/main" xmlns:p="http://schemas.openxmlformats.org/presentationml/2006/main" xmlns:r="http://schemas.openxmlformats.org/officeDocument/2006/relationships">
+<p:sld xmlns:a="http://schemas.openxmlformats.org/drawingml/2006/main" xmlns:r="http://schemas.openxmlformats.org/officeDocument/2006/relationships" xmlns:p="http://schemas.openxmlformats.org/presentationml/2006/main">
   <p:cSld>
     <p:spTree>
       <p:nvGrpSpPr>
@@ -3186,7 +3214,14 @@
         <p:cNvGrpSpPr/>
         <p:nvPr/>
       </p:nvGrpSpPr>
-      <p:grpSpPr/>
+      <p:grpSpPr>
+        <a:xfrm>
+          <a:off x="0" y="0"/>
+          <a:ext cx="0" cy="0"/>
+          <a:chOff x="0" y="0"/>
+          <a:chExt cx="0" cy="0"/>
+        </a:xfrm>
+      </p:grpSpPr>
       <p:pic>
         <p:nvPicPr>
           <p:cNvPr id="2" name="Picture 1" descr="image.png"/>
@@ -3220,7 +3255,7 @@
 </file>
 
 <file path=ppt/slides/slide12.xml><?xml version="1.0" encoding="utf-8"?>
-<p:sld xmlns:a="http://schemas.openxmlformats.org/drawingml/2006/main" xmlns:p="http://schemas.openxmlformats.org/presentationml/2006/main" xmlns:r="http://schemas.openxmlformats.org/officeDocument/2006/relationships">
+<p:sld xmlns:a="http://schemas.openxmlformats.org/drawingml/2006/main" xmlns:r="http://schemas.openxmlformats.org/officeDocument/2006/relationships" xmlns:p="http://schemas.openxmlformats.org/presentationml/2006/main">
   <p:cSld>
     <p:spTree>
       <p:nvGrpSpPr>
@@ -3228,7 +3263,14 @@
         <p:cNvGrpSpPr/>
         <p:nvPr/>
       </p:nvGrpSpPr>
-      <p:grpSpPr/>
+      <p:grpSpPr>
+        <a:xfrm>
+          <a:off x="0" y="0"/>
+          <a:ext cx="0" cy="0"/>
+          <a:chOff x="0" y="0"/>
+          <a:chExt cx="0" cy="0"/>
+        </a:xfrm>
+      </p:grpSpPr>
       <p:pic>
         <p:nvPicPr>
           <p:cNvPr id="2" name="Picture 1" descr="image.png"/>
@@ -3262,7 +3304,7 @@
 </file>
 
 <file path=ppt/slides/slide13.xml><?xml version="1.0" encoding="utf-8"?>
-<p:sld xmlns:a="http://schemas.openxmlformats.org/drawingml/2006/main" xmlns:p="http://schemas.openxmlformats.org/presentationml/2006/main" xmlns:r="http://schemas.openxmlformats.org/officeDocument/2006/relationships">
+<p:sld xmlns:a="http://schemas.openxmlformats.org/drawingml/2006/main" xmlns:r="http://schemas.openxmlformats.org/officeDocument/2006/relationships" xmlns:p="http://schemas.openxmlformats.org/presentationml/2006/main">
   <p:cSld>
     <p:spTree>
       <p:nvGrpSpPr>
@@ -3270,7 +3312,14 @@
         <p:cNvGrpSpPr/>
         <p:nvPr/>
       </p:nvGrpSpPr>
-      <p:grpSpPr/>
+      <p:grpSpPr>
+        <a:xfrm>
+          <a:off x="0" y="0"/>
+          <a:ext cx="0" cy="0"/>
+          <a:chOff x="0" y="0"/>
+          <a:chExt cx="0" cy="0"/>
+        </a:xfrm>
+      </p:grpSpPr>
       <p:pic>
         <p:nvPicPr>
           <p:cNvPr id="2" name="Picture 1" descr="image.png"/>
@@ -3304,7 +3353,7 @@
 </file>
 
 <file path=ppt/slides/slide14.xml><?xml version="1.0" encoding="utf-8"?>
-<p:sld xmlns:a="http://schemas.openxmlformats.org/drawingml/2006/main" xmlns:p="http://schemas.openxmlformats.org/presentationml/2006/main" xmlns:r="http://schemas.openxmlformats.org/officeDocument/2006/relationships">
+<p:sld xmlns:a="http://schemas.openxmlformats.org/drawingml/2006/main" xmlns:r="http://schemas.openxmlformats.org/officeDocument/2006/relationships" xmlns:p="http://schemas.openxmlformats.org/presentationml/2006/main">
   <p:cSld>
     <p:spTree>
       <p:nvGrpSpPr>
@@ -3312,91 +3361,14 @@
         <p:cNvGrpSpPr/>
         <p:nvPr/>
       </p:nvGrpSpPr>
-      <p:grpSpPr/>
-      <p:pic>
-        <p:nvPicPr>
-          <p:cNvPr id="2" name="Picture 1" descr="image.png"/>
-          <p:cNvPicPr>
-            <a:picLocks noChangeAspect="1"/>
-          </p:cNvPicPr>
-          <p:nvPr/>
-        </p:nvPicPr>
-        <p:blipFill>
-          <a:blip r:embed="rId2"/>
-          <a:stretch>
-            <a:fillRect/>
-          </a:stretch>
-        </p:blipFill>
-        <p:spPr>
-          <a:xfrm>
-            <a:off x="0" y="0"/>
-            <a:ext cx="12188952" cy="6858000"/>
-          </a:xfrm>
-          <a:prstGeom prst="rect">
-            <a:avLst/>
-          </a:prstGeom>
-        </p:spPr>
-      </p:pic>
-    </p:spTree>
-  </p:cSld>
-  <p:clrMapOvr>
-    <a:masterClrMapping/>
-  </p:clrMapOvr>
-</p:sld>
-</file>
-
-<file path=ppt/slides/slide15.xml><?xml version="1.0" encoding="utf-8"?>
-<p:sld xmlns:a="http://schemas.openxmlformats.org/drawingml/2006/main" xmlns:p="http://schemas.openxmlformats.org/presentationml/2006/main" xmlns:r="http://schemas.openxmlformats.org/officeDocument/2006/relationships">
-  <p:cSld>
-    <p:spTree>
-      <p:nvGrpSpPr>
-        <p:cNvPr id="1" name=""/>
-        <p:cNvGrpSpPr/>
-        <p:nvPr/>
-      </p:nvGrpSpPr>
-      <p:grpSpPr/>
-      <p:pic>
-        <p:nvPicPr>
-          <p:cNvPr id="2" name="Picture 1" descr="image.png"/>
-          <p:cNvPicPr>
-            <a:picLocks noChangeAspect="1"/>
-          </p:cNvPicPr>
-          <p:nvPr/>
-        </p:nvPicPr>
-        <p:blipFill>
-          <a:blip r:embed="rId2"/>
-          <a:stretch>
-            <a:fillRect/>
-          </a:stretch>
-        </p:blipFill>
-        <p:spPr>
-          <a:xfrm>
-            <a:off x="0" y="0"/>
-            <a:ext cx="12188952" cy="6858000"/>
-          </a:xfrm>
-          <a:prstGeom prst="rect">
-            <a:avLst/>
-          </a:prstGeom>
-        </p:spPr>
-      </p:pic>
-    </p:spTree>
-  </p:cSld>
-  <p:clrMapOvr>
-    <a:masterClrMapping/>
-  </p:clrMapOvr>
-</p:sld>
-</file>
-
-<file path=ppt/slides/slide16.xml><?xml version="1.0" encoding="utf-8"?>
-<p:sld xmlns:a="http://schemas.openxmlformats.org/drawingml/2006/main" xmlns:p="http://schemas.openxmlformats.org/presentationml/2006/main" xmlns:r="http://schemas.openxmlformats.org/officeDocument/2006/relationships">
-  <p:cSld>
-    <p:spTree>
-      <p:nvGrpSpPr>
-        <p:cNvPr id="1" name=""/>
-        <p:cNvGrpSpPr/>
-        <p:nvPr/>
-      </p:nvGrpSpPr>
-      <p:grpSpPr/>
+      <p:grpSpPr>
+        <a:xfrm>
+          <a:off x="0" y="0"/>
+          <a:ext cx="0" cy="0"/>
+          <a:chOff x="0" y="0"/>
+          <a:chExt cx="0" cy="0"/>
+        </a:xfrm>
+      </p:grpSpPr>
       <p:pic>
         <p:nvPicPr>
           <p:cNvPr id="2" name="Picture 1" descr="image.png"/>
@@ -3430,7 +3402,7 @@
 </file>
 
 <file path=ppt/slides/slide2.xml><?xml version="1.0" encoding="utf-8"?>
-<p:sld xmlns:a="http://schemas.openxmlformats.org/drawingml/2006/main" xmlns:p="http://schemas.openxmlformats.org/presentationml/2006/main" xmlns:r="http://schemas.openxmlformats.org/officeDocument/2006/relationships">
+<p:sld xmlns:a="http://schemas.openxmlformats.org/drawingml/2006/main" xmlns:r="http://schemas.openxmlformats.org/officeDocument/2006/relationships" xmlns:p="http://schemas.openxmlformats.org/presentationml/2006/main">
   <p:cSld>
     <p:spTree>
       <p:nvGrpSpPr>
@@ -3438,7 +3410,14 @@
         <p:cNvGrpSpPr/>
         <p:nvPr/>
       </p:nvGrpSpPr>
-      <p:grpSpPr/>
+      <p:grpSpPr>
+        <a:xfrm>
+          <a:off x="0" y="0"/>
+          <a:ext cx="0" cy="0"/>
+          <a:chOff x="0" y="0"/>
+          <a:chExt cx="0" cy="0"/>
+        </a:xfrm>
+      </p:grpSpPr>
       <p:pic>
         <p:nvPicPr>
           <p:cNvPr id="2" name="Picture 1" descr="image.png"/>
@@ -3472,7 +3451,7 @@
 </file>
 
 <file path=ppt/slides/slide3.xml><?xml version="1.0" encoding="utf-8"?>
-<p:sld xmlns:a="http://schemas.openxmlformats.org/drawingml/2006/main" xmlns:p="http://schemas.openxmlformats.org/presentationml/2006/main" xmlns:r="http://schemas.openxmlformats.org/officeDocument/2006/relationships">
+<p:sld xmlns:a="http://schemas.openxmlformats.org/drawingml/2006/main" xmlns:r="http://schemas.openxmlformats.org/officeDocument/2006/relationships" xmlns:p="http://schemas.openxmlformats.org/presentationml/2006/main">
   <p:cSld>
     <p:spTree>
       <p:nvGrpSpPr>
@@ -3480,7 +3459,14 @@
         <p:cNvGrpSpPr/>
         <p:nvPr/>
       </p:nvGrpSpPr>
-      <p:grpSpPr/>
+      <p:grpSpPr>
+        <a:xfrm>
+          <a:off x="0" y="0"/>
+          <a:ext cx="0" cy="0"/>
+          <a:chOff x="0" y="0"/>
+          <a:chExt cx="0" cy="0"/>
+        </a:xfrm>
+      </p:grpSpPr>
       <p:pic>
         <p:nvPicPr>
           <p:cNvPr id="2" name="Picture 1" descr="image.png"/>
@@ -3514,7 +3500,7 @@
 </file>
 
 <file path=ppt/slides/slide4.xml><?xml version="1.0" encoding="utf-8"?>
-<p:sld xmlns:a="http://schemas.openxmlformats.org/drawingml/2006/main" xmlns:p="http://schemas.openxmlformats.org/presentationml/2006/main" xmlns:r="http://schemas.openxmlformats.org/officeDocument/2006/relationships">
+<p:sld xmlns:a="http://schemas.openxmlformats.org/drawingml/2006/main" xmlns:r="http://schemas.openxmlformats.org/officeDocument/2006/relationships" xmlns:p="http://schemas.openxmlformats.org/presentationml/2006/main">
   <p:cSld>
     <p:spTree>
       <p:nvGrpSpPr>
@@ -3522,7 +3508,14 @@
         <p:cNvGrpSpPr/>
         <p:nvPr/>
       </p:nvGrpSpPr>
-      <p:grpSpPr/>
+      <p:grpSpPr>
+        <a:xfrm>
+          <a:off x="0" y="0"/>
+          <a:ext cx="0" cy="0"/>
+          <a:chOff x="0" y="0"/>
+          <a:chExt cx="0" cy="0"/>
+        </a:xfrm>
+      </p:grpSpPr>
       <p:pic>
         <p:nvPicPr>
           <p:cNvPr id="2" name="Picture 1" descr="image.png"/>
@@ -3556,7 +3549,7 @@
 </file>
 
 <file path=ppt/slides/slide5.xml><?xml version="1.0" encoding="utf-8"?>
-<p:sld xmlns:a="http://schemas.openxmlformats.org/drawingml/2006/main" xmlns:p="http://schemas.openxmlformats.org/presentationml/2006/main" xmlns:r="http://schemas.openxmlformats.org/officeDocument/2006/relationships">
+<p:sld xmlns:a="http://schemas.openxmlformats.org/drawingml/2006/main" xmlns:r="http://schemas.openxmlformats.org/officeDocument/2006/relationships" xmlns:p="http://schemas.openxmlformats.org/presentationml/2006/main">
   <p:cSld>
     <p:spTree>
       <p:nvGrpSpPr>
@@ -3564,7 +3557,14 @@
         <p:cNvGrpSpPr/>
         <p:nvPr/>
       </p:nvGrpSpPr>
-      <p:grpSpPr/>
+      <p:grpSpPr>
+        <a:xfrm>
+          <a:off x="0" y="0"/>
+          <a:ext cx="0" cy="0"/>
+          <a:chOff x="0" y="0"/>
+          <a:chExt cx="0" cy="0"/>
+        </a:xfrm>
+      </p:grpSpPr>
       <p:pic>
         <p:nvPicPr>
           <p:cNvPr id="2" name="Picture 1" descr="image.png"/>
@@ -3598,7 +3598,7 @@
 </file>
 
 <file path=ppt/slides/slide6.xml><?xml version="1.0" encoding="utf-8"?>
-<p:sld xmlns:a="http://schemas.openxmlformats.org/drawingml/2006/main" xmlns:p="http://schemas.openxmlformats.org/presentationml/2006/main" xmlns:r="http://schemas.openxmlformats.org/officeDocument/2006/relationships">
+<p:sld xmlns:a="http://schemas.openxmlformats.org/drawingml/2006/main" xmlns:r="http://schemas.openxmlformats.org/officeDocument/2006/relationships" xmlns:p="http://schemas.openxmlformats.org/presentationml/2006/main">
   <p:cSld>
     <p:spTree>
       <p:nvGrpSpPr>
@@ -3606,7 +3606,14 @@
         <p:cNvGrpSpPr/>
         <p:nvPr/>
       </p:nvGrpSpPr>
-      <p:grpSpPr/>
+      <p:grpSpPr>
+        <a:xfrm>
+          <a:off x="0" y="0"/>
+          <a:ext cx="0" cy="0"/>
+          <a:chOff x="0" y="0"/>
+          <a:chExt cx="0" cy="0"/>
+        </a:xfrm>
+      </p:grpSpPr>
       <p:pic>
         <p:nvPicPr>
           <p:cNvPr id="2" name="Picture 1" descr="image.png"/>
@@ -3640,7 +3647,7 @@
 </file>
 
 <file path=ppt/slides/slide7.xml><?xml version="1.0" encoding="utf-8"?>
-<p:sld xmlns:a="http://schemas.openxmlformats.org/drawingml/2006/main" xmlns:p="http://schemas.openxmlformats.org/presentationml/2006/main" xmlns:r="http://schemas.openxmlformats.org/officeDocument/2006/relationships">
+<p:sld xmlns:a="http://schemas.openxmlformats.org/drawingml/2006/main" xmlns:r="http://schemas.openxmlformats.org/officeDocument/2006/relationships" xmlns:p="http://schemas.openxmlformats.org/presentationml/2006/main">
   <p:cSld>
     <p:spTree>
       <p:nvGrpSpPr>
@@ -3648,7 +3655,14 @@
         <p:cNvGrpSpPr/>
         <p:nvPr/>
       </p:nvGrpSpPr>
-      <p:grpSpPr/>
+      <p:grpSpPr>
+        <a:xfrm>
+          <a:off x="0" y="0"/>
+          <a:ext cx="0" cy="0"/>
+          <a:chOff x="0" y="0"/>
+          <a:chExt cx="0" cy="0"/>
+        </a:xfrm>
+      </p:grpSpPr>
       <p:pic>
         <p:nvPicPr>
           <p:cNvPr id="2" name="Picture 1" descr="image.png"/>
@@ -3682,7 +3696,7 @@
 </file>
 
 <file path=ppt/slides/slide8.xml><?xml version="1.0" encoding="utf-8"?>
-<p:sld xmlns:a="http://schemas.openxmlformats.org/drawingml/2006/main" xmlns:p="http://schemas.openxmlformats.org/presentationml/2006/main" xmlns:r="http://schemas.openxmlformats.org/officeDocument/2006/relationships">
+<p:sld xmlns:a="http://schemas.openxmlformats.org/drawingml/2006/main" xmlns:r="http://schemas.openxmlformats.org/officeDocument/2006/relationships" xmlns:p="http://schemas.openxmlformats.org/presentationml/2006/main">
   <p:cSld>
     <p:spTree>
       <p:nvGrpSpPr>
@@ -3690,7 +3704,14 @@
         <p:cNvGrpSpPr/>
         <p:nvPr/>
       </p:nvGrpSpPr>
-      <p:grpSpPr/>
+      <p:grpSpPr>
+        <a:xfrm>
+          <a:off x="0" y="0"/>
+          <a:ext cx="0" cy="0"/>
+          <a:chOff x="0" y="0"/>
+          <a:chExt cx="0" cy="0"/>
+        </a:xfrm>
+      </p:grpSpPr>
       <p:pic>
         <p:nvPicPr>
           <p:cNvPr id="2" name="Picture 1" descr="image.png"/>
@@ -3724,7 +3745,7 @@
 </file>
 
 <file path=ppt/slides/slide9.xml><?xml version="1.0" encoding="utf-8"?>
-<p:sld xmlns:a="http://schemas.openxmlformats.org/drawingml/2006/main" xmlns:p="http://schemas.openxmlformats.org/presentationml/2006/main" xmlns:r="http://schemas.openxmlformats.org/officeDocument/2006/relationships">
+<p:sld xmlns:a="http://schemas.openxmlformats.org/drawingml/2006/main" xmlns:r="http://schemas.openxmlformats.org/officeDocument/2006/relationships" xmlns:p="http://schemas.openxmlformats.org/presentationml/2006/main">
   <p:cSld>
     <p:spTree>
       <p:nvGrpSpPr>
@@ -3732,7 +3753,14 @@
         <p:cNvGrpSpPr/>
         <p:nvPr/>
       </p:nvGrpSpPr>
-      <p:grpSpPr/>
+      <p:grpSpPr>
+        <a:xfrm>
+          <a:off x="0" y="0"/>
+          <a:ext cx="0" cy="0"/>
+          <a:chOff x="0" y="0"/>
+          <a:chExt cx="0" cy="0"/>
+        </a:xfrm>
+      </p:grpSpPr>
       <p:pic>
         <p:nvPicPr>
           <p:cNvPr id="2" name="Picture 1" descr="image.png"/>
